--- a/2. Core Java/Day 4/Slides/9. Creating Abstract Relationships with Interfaces/creating-abstract-relationships-with-interfaces-slides.pptx
+++ b/2. Core Java/Day 4/Slides/9. Creating Abstract Relationships with Interfaces/creating-abstract-relationships-with-interfaces-slides.pptx
@@ -6440,8 +6440,8 @@
         </p:nvSpPr>
         <p:spPr>
           <a:xfrm>
-            <a:off x="896566" y="2367047"/>
-            <a:ext cx="4419600" cy="443230"/>
+            <a:off x="896620" y="2367280"/>
+            <a:ext cx="5164455" cy="344170"/>
           </a:xfrm>
           <a:prstGeom prst="rect">
             <a:avLst/>
@@ -6469,6 +6469,16 @@
                 <a:spcPts val="290"/>
               </a:spcBef>
             </a:pPr>
+            <a:r>
+              <a:rPr lang="en-US" sz="2000" spc="-5" dirty="0">
+                <a:solidFill>
+                  <a:srgbClr val="F05A28"/>
+                </a:solidFill>
+                <a:latin typeface="Courier New" panose="02070309020205020404"/>
+                <a:cs typeface="Courier New" panose="02070309020205020404"/>
+              </a:rPr>
+              <a:t>// </a:t>
+            </a:r>
             <a:r>
               <a:rPr sz="2000" spc="-5" dirty="0">
                 <a:solidFill>
